--- a/doc/Presentatie/SprintReview2.pptx
+++ b/doc/Presentatie/SprintReview2.pptx
@@ -5,13 +5,13 @@
     <p:sldMasterId id="2147483787" r:id="rId1"/>
   </p:sldMasterIdLst>
   <p:sldIdLst>
-    <p:sldId id="256" r:id="rId2"/>
-    <p:sldId id="261" r:id="rId3"/>
-    <p:sldId id="260" r:id="rId4"/>
-    <p:sldId id="262" r:id="rId5"/>
-    <p:sldId id="263" r:id="rId6"/>
-    <p:sldId id="258" r:id="rId7"/>
-    <p:sldId id="264" r:id="rId8"/>
+    <p:sldId id="261" r:id="rId2"/>
+    <p:sldId id="260" r:id="rId3"/>
+    <p:sldId id="262" r:id="rId4"/>
+    <p:sldId id="263" r:id="rId5"/>
+    <p:sldId id="265" r:id="rId6"/>
+    <p:sldId id="264" r:id="rId7"/>
+    <p:sldId id="258" r:id="rId8"/>
     <p:sldId id="259" r:id="rId9"/>
   </p:sldIdLst>
   <p:sldSz cx="12192000" cy="6858000"/>
@@ -522,7 +522,7 @@
           <a:p>
             <a:fld id="{E7FE972C-C17D-454A-91D3-3C6FF46884AA}" type="datetimeFigureOut">
               <a:rPr lang="nl-BE" smtClean="0"/>
-              <a:t>10/11/2018</a:t>
+              <a:t>11/11/2018</a:t>
             </a:fld>
             <a:endParaRPr lang="nl-BE"/>
           </a:p>
@@ -701,7 +701,7 @@
           <a:p>
             <a:fld id="{E7FE972C-C17D-454A-91D3-3C6FF46884AA}" type="datetimeFigureOut">
               <a:rPr lang="nl-BE" smtClean="0"/>
-              <a:t>10/11/2018</a:t>
+              <a:t>11/11/2018</a:t>
             </a:fld>
             <a:endParaRPr lang="nl-BE"/>
           </a:p>
@@ -881,7 +881,7 @@
           <a:p>
             <a:fld id="{E7FE972C-C17D-454A-91D3-3C6FF46884AA}" type="datetimeFigureOut">
               <a:rPr lang="nl-BE" smtClean="0"/>
-              <a:t>10/11/2018</a:t>
+              <a:t>11/11/2018</a:t>
             </a:fld>
             <a:endParaRPr lang="nl-BE"/>
           </a:p>
@@ -1051,7 +1051,7 @@
           <a:p>
             <a:fld id="{E7FE972C-C17D-454A-91D3-3C6FF46884AA}" type="datetimeFigureOut">
               <a:rPr lang="nl-BE" smtClean="0"/>
-              <a:t>10/11/2018</a:t>
+              <a:t>11/11/2018</a:t>
             </a:fld>
             <a:endParaRPr lang="nl-BE"/>
           </a:p>
@@ -1364,7 +1364,7 @@
           <a:p>
             <a:fld id="{E7FE972C-C17D-454A-91D3-3C6FF46884AA}" type="datetimeFigureOut">
               <a:rPr lang="nl-BE" smtClean="0"/>
-              <a:t>10/11/2018</a:t>
+              <a:t>11/11/2018</a:t>
             </a:fld>
             <a:endParaRPr lang="nl-BE"/>
           </a:p>
@@ -1750,7 +1750,7 @@
           <a:p>
             <a:fld id="{E7FE972C-C17D-454A-91D3-3C6FF46884AA}" type="datetimeFigureOut">
               <a:rPr lang="nl-BE" smtClean="0"/>
-              <a:t>10/11/2018</a:t>
+              <a:t>11/11/2018</a:t>
             </a:fld>
             <a:endParaRPr lang="nl-BE"/>
           </a:p>
@@ -2184,7 +2184,7 @@
           <a:p>
             <a:fld id="{E7FE972C-C17D-454A-91D3-3C6FF46884AA}" type="datetimeFigureOut">
               <a:rPr lang="nl-BE" smtClean="0"/>
-              <a:t>10/11/2018</a:t>
+              <a:t>11/11/2018</a:t>
             </a:fld>
             <a:endParaRPr lang="nl-BE"/>
           </a:p>
@@ -2302,7 +2302,7 @@
           <a:p>
             <a:fld id="{E7FE972C-C17D-454A-91D3-3C6FF46884AA}" type="datetimeFigureOut">
               <a:rPr lang="nl-BE" smtClean="0"/>
-              <a:t>10/11/2018</a:t>
+              <a:t>11/11/2018</a:t>
             </a:fld>
             <a:endParaRPr lang="nl-BE"/>
           </a:p>
@@ -2397,7 +2397,7 @@
           <a:p>
             <a:fld id="{E7FE972C-C17D-454A-91D3-3C6FF46884AA}" type="datetimeFigureOut">
               <a:rPr lang="nl-BE" smtClean="0"/>
-              <a:t>10/11/2018</a:t>
+              <a:t>11/11/2018</a:t>
             </a:fld>
             <a:endParaRPr lang="nl-BE"/>
           </a:p>
@@ -2747,7 +2747,7 @@
           <a:p>
             <a:fld id="{E7FE972C-C17D-454A-91D3-3C6FF46884AA}" type="datetimeFigureOut">
               <a:rPr lang="nl-BE" smtClean="0"/>
-              <a:t>10/11/2018</a:t>
+              <a:t>11/11/2018</a:t>
             </a:fld>
             <a:endParaRPr lang="nl-BE"/>
           </a:p>
@@ -3172,7 +3172,7 @@
           <a:p>
             <a:fld id="{E7FE972C-C17D-454A-91D3-3C6FF46884AA}" type="datetimeFigureOut">
               <a:rPr lang="nl-BE" smtClean="0"/>
-              <a:t>10/11/2018</a:t>
+              <a:t>11/11/2018</a:t>
             </a:fld>
             <a:endParaRPr lang="nl-BE"/>
           </a:p>
@@ -3453,7 +3453,7 @@
           <a:p>
             <a:fld id="{E7FE972C-C17D-454A-91D3-3C6FF46884AA}" type="datetimeFigureOut">
               <a:rPr lang="nl-BE" smtClean="0"/>
-              <a:t>10/11/2018</a:t>
+              <a:t>11/11/2018</a:t>
             </a:fld>
             <a:endParaRPr lang="nl-BE"/>
           </a:p>
@@ -4013,397 +4013,6 @@
 </file>
 
 <file path=ppt/slides/slide1.xml><?xml version="1.0" encoding="utf-8"?>
-<p:sld xmlns:a="http://schemas.openxmlformats.org/drawingml/2006/main" xmlns:r="http://schemas.openxmlformats.org/officeDocument/2006/relationships" xmlns:p="http://schemas.openxmlformats.org/presentationml/2006/main" showMasterSp="0">
-  <p:cSld>
-    <p:spTree>
-      <p:nvGrpSpPr>
-        <p:cNvPr id="1" name=""/>
-        <p:cNvGrpSpPr/>
-        <p:nvPr/>
-      </p:nvGrpSpPr>
-      <p:grpSpPr>
-        <a:xfrm>
-          <a:off x="0" y="0"/>
-          <a:ext cx="0" cy="0"/>
-          <a:chOff x="0" y="0"/>
-          <a:chExt cx="0" cy="0"/>
-        </a:xfrm>
-      </p:grpSpPr>
-      <p:pic>
-        <p:nvPicPr>
-          <p:cNvPr id="5" name="Afbeelding 4">
-            <a:extLst>
-              <a:ext uri="{FF2B5EF4-FFF2-40B4-BE49-F238E27FC236}">
-                <a16:creationId xmlns:a16="http://schemas.microsoft.com/office/drawing/2014/main" id="{7AD80C63-FD87-46D0-A81B-5EC4C763F43C}"/>
-              </a:ext>
-            </a:extLst>
-          </p:cNvPr>
-          <p:cNvPicPr>
-            <a:picLocks noChangeAspect="1"/>
-          </p:cNvPicPr>
-          <p:nvPr/>
-        </p:nvPicPr>
-        <p:blipFill rotWithShape="1">
-          <a:blip r:embed="rId2">
-            <a:alphaModFix/>
-            <a:extLst>
-              <a:ext uri="{28A0092B-C50C-407E-A947-70E740481C1C}">
-                <a14:useLocalDpi xmlns:a14="http://schemas.microsoft.com/office/drawing/2010/main" val="0"/>
-              </a:ext>
-            </a:extLst>
-          </a:blip>
-          <a:srcRect r="-2" b="3121"/>
-          <a:stretch/>
-        </p:blipFill>
-        <p:spPr>
-          <a:xfrm rot="21600000">
-            <a:off x="-182887" y="-164595"/>
-            <a:ext cx="6447707" cy="4622292"/>
-          </a:xfrm>
-          <a:prstGeom prst="rect">
-            <a:avLst/>
-          </a:prstGeom>
-          <a:effectLst>
-            <a:softEdge rad="533400"/>
-          </a:effectLst>
-        </p:spPr>
-      </p:pic>
-      <p:pic>
-        <p:nvPicPr>
-          <p:cNvPr id="7" name="Afbeelding 6">
-            <a:extLst>
-              <a:ext uri="{FF2B5EF4-FFF2-40B4-BE49-F238E27FC236}">
-                <a16:creationId xmlns:a16="http://schemas.microsoft.com/office/drawing/2014/main" id="{D971BE6F-02C0-4F25-99CB-41FDF6F46D2E}"/>
-              </a:ext>
-            </a:extLst>
-          </p:cNvPr>
-          <p:cNvPicPr>
-            <a:picLocks noChangeAspect="1"/>
-          </p:cNvPicPr>
-          <p:nvPr/>
-        </p:nvPicPr>
-        <p:blipFill rotWithShape="1">
-          <a:blip r:embed="rId3">
-            <a:alphaModFix/>
-            <a:extLst>
-              <a:ext uri="{28A0092B-C50C-407E-A947-70E740481C1C}">
-                <a14:useLocalDpi xmlns:a14="http://schemas.microsoft.com/office/drawing/2010/main" val="0"/>
-              </a:ext>
-            </a:extLst>
-          </a:blip>
-          <a:srcRect t="2573" r="-2" b="447"/>
-          <a:stretch/>
-        </p:blipFill>
-        <p:spPr>
-          <a:xfrm>
-            <a:off x="-186572" y="3184611"/>
-            <a:ext cx="6447707" cy="3845519"/>
-          </a:xfrm>
-          <a:prstGeom prst="rect">
-            <a:avLst/>
-          </a:prstGeom>
-          <a:effectLst>
-            <a:softEdge rad="533400"/>
-          </a:effectLst>
-        </p:spPr>
-      </p:pic>
-      <p:sp>
-        <p:nvSpPr>
-          <p:cNvPr id="2" name="Titel 1">
-            <a:extLst>
-              <a:ext uri="{FF2B5EF4-FFF2-40B4-BE49-F238E27FC236}">
-                <a16:creationId xmlns:a16="http://schemas.microsoft.com/office/drawing/2014/main" id="{5EA53BA4-1E66-4756-9312-ED38E8C05672}"/>
-              </a:ext>
-            </a:extLst>
-          </p:cNvPr>
-          <p:cNvSpPr>
-            <a:spLocks noGrp="1"/>
-          </p:cNvSpPr>
-          <p:nvPr>
-            <p:ph type="ctrTitle"/>
-          </p:nvPr>
-        </p:nvSpPr>
-        <p:spPr>
-          <a:xfrm>
-            <a:off x="6585882" y="4267831"/>
-            <a:ext cx="4820134" cy="1635639"/>
-          </a:xfrm>
-        </p:spPr>
-        <p:txBody>
-          <a:bodyPr anchor="t">
-            <a:normAutofit fontScale="90000"/>
-          </a:bodyPr>
-          <a:lstStyle/>
-          <a:p>
-            <a:pPr algn="l"/>
-            <a:r>
-              <a:rPr lang="nl-NL" sz="4400" dirty="0">
-                <a:solidFill>
-                  <a:srgbClr val="000000"/>
-                </a:solidFill>
-              </a:rPr>
-              <a:t>Joren </a:t>
-            </a:r>
-            <a:r>
-              <a:rPr lang="nl-NL" sz="4400" dirty="0" err="1">
-                <a:solidFill>
-                  <a:srgbClr val="000000"/>
-                </a:solidFill>
-              </a:rPr>
-              <a:t>Jamar</a:t>
-            </a:r>
-            <a:br>
-              <a:rPr lang="nl-NL" sz="4400" dirty="0">
-                <a:solidFill>
-                  <a:srgbClr val="000000"/>
-                </a:solidFill>
-              </a:rPr>
-            </a:br>
-            <a:r>
-              <a:rPr lang="nl-NL" sz="4400" dirty="0">
-                <a:solidFill>
-                  <a:srgbClr val="000000"/>
-                </a:solidFill>
-              </a:rPr>
-              <a:t>Jonas Koppen</a:t>
-            </a:r>
-            <a:br>
-              <a:rPr lang="nl-NL" sz="4400" dirty="0">
-                <a:solidFill>
-                  <a:srgbClr val="000000"/>
-                </a:solidFill>
-              </a:rPr>
-            </a:br>
-            <a:r>
-              <a:rPr lang="nl-NL" sz="4400" dirty="0">
-                <a:solidFill>
-                  <a:srgbClr val="000000"/>
-                </a:solidFill>
-              </a:rPr>
-              <a:t>Viktor Segers</a:t>
-            </a:r>
-            <a:endParaRPr lang="nl-BE" sz="4400" dirty="0">
-              <a:solidFill>
-                <a:srgbClr val="000000"/>
-              </a:solidFill>
-            </a:endParaRPr>
-          </a:p>
-        </p:txBody>
-      </p:sp>
-      <p:sp>
-        <p:nvSpPr>
-          <p:cNvPr id="3" name="Ondertitel 2">
-            <a:extLst>
-              <a:ext uri="{FF2B5EF4-FFF2-40B4-BE49-F238E27FC236}">
-                <a16:creationId xmlns:a16="http://schemas.microsoft.com/office/drawing/2014/main" id="{0F075707-D8C2-4F28-8F9C-BED924046302}"/>
-              </a:ext>
-            </a:extLst>
-          </p:cNvPr>
-          <p:cNvSpPr>
-            <a:spLocks noGrp="1"/>
-          </p:cNvSpPr>
-          <p:nvPr>
-            <p:ph type="subTitle" idx="1"/>
-          </p:nvPr>
-        </p:nvSpPr>
-        <p:spPr>
-          <a:xfrm>
-            <a:off x="6586186" y="2632193"/>
-            <a:ext cx="5242291" cy="1635638"/>
-          </a:xfrm>
-        </p:spPr>
-        <p:txBody>
-          <a:bodyPr anchor="b">
-            <a:normAutofit fontScale="92500"/>
-          </a:bodyPr>
-          <a:lstStyle/>
-          <a:p>
-            <a:pPr algn="l"/>
-            <a:r>
-              <a:rPr lang="nl-NL" sz="4400" dirty="0">
-                <a:solidFill>
-                  <a:srgbClr val="000000"/>
-                </a:solidFill>
-              </a:rPr>
-              <a:t>Taken 5: Bart Edition</a:t>
-            </a:r>
-          </a:p>
-          <a:p>
-            <a:pPr algn="l"/>
-            <a:r>
-              <a:rPr lang="nl-NL" sz="4400" u="sng" dirty="0">
-                <a:solidFill>
-                  <a:srgbClr val="000000"/>
-                </a:solidFill>
-              </a:rPr>
-              <a:t>Sprint review 2  </a:t>
-            </a:r>
-            <a:endParaRPr lang="nl-BE" sz="4400" u="sng" dirty="0">
-              <a:solidFill>
-                <a:srgbClr val="000000"/>
-              </a:solidFill>
-            </a:endParaRPr>
-          </a:p>
-        </p:txBody>
-      </p:sp>
-      <p:pic>
-        <p:nvPicPr>
-          <p:cNvPr id="11" name="Afbeelding 10">
-            <a:extLst>
-              <a:ext uri="{FF2B5EF4-FFF2-40B4-BE49-F238E27FC236}">
-                <a16:creationId xmlns:a16="http://schemas.microsoft.com/office/drawing/2014/main" id="{AEDCB170-656D-4D53-9808-A2B92C1B964B}"/>
-              </a:ext>
-            </a:extLst>
-          </p:cNvPr>
-          <p:cNvPicPr>
-            <a:picLocks noChangeAspect="1"/>
-          </p:cNvPicPr>
-          <p:nvPr/>
-        </p:nvPicPr>
-        <p:blipFill>
-          <a:blip r:embed="rId4">
-            <a:extLst>
-              <a:ext uri="{28A0092B-C50C-407E-A947-70E740481C1C}">
-                <a14:useLocalDpi xmlns:a14="http://schemas.microsoft.com/office/drawing/2010/main" val="0"/>
-              </a:ext>
-            </a:extLst>
-          </a:blip>
-          <a:stretch>
-            <a:fillRect/>
-          </a:stretch>
-        </p:blipFill>
-        <p:spPr>
-          <a:xfrm>
-            <a:off x="-93712" y="2290776"/>
-            <a:ext cx="1787669" cy="1787669"/>
-          </a:xfrm>
-          <a:prstGeom prst="rect">
-            <a:avLst/>
-          </a:prstGeom>
-        </p:spPr>
-      </p:pic>
-      <p:pic>
-        <p:nvPicPr>
-          <p:cNvPr id="13" name="Afbeelding 12">
-            <a:extLst>
-              <a:ext uri="{FF2B5EF4-FFF2-40B4-BE49-F238E27FC236}">
-                <a16:creationId xmlns:a16="http://schemas.microsoft.com/office/drawing/2014/main" id="{7C18493C-E32B-4483-A70F-8150A68E22D1}"/>
-              </a:ext>
-            </a:extLst>
-          </p:cNvPr>
-          <p:cNvPicPr>
-            <a:picLocks noChangeAspect="1"/>
-          </p:cNvPicPr>
-          <p:nvPr/>
-        </p:nvPicPr>
-        <p:blipFill>
-          <a:blip r:embed="rId4">
-            <a:extLst>
-              <a:ext uri="{28A0092B-C50C-407E-A947-70E740481C1C}">
-                <a14:useLocalDpi xmlns:a14="http://schemas.microsoft.com/office/drawing/2010/main" val="0"/>
-              </a:ext>
-            </a:extLst>
-          </a:blip>
-          <a:stretch>
-            <a:fillRect/>
-          </a:stretch>
-        </p:blipFill>
-        <p:spPr>
-          <a:xfrm>
-            <a:off x="4308331" y="2290776"/>
-            <a:ext cx="1787669" cy="1787669"/>
-          </a:xfrm>
-          <a:prstGeom prst="rect">
-            <a:avLst/>
-          </a:prstGeom>
-        </p:spPr>
-      </p:pic>
-      <p:pic>
-        <p:nvPicPr>
-          <p:cNvPr id="14" name="Afbeelding 13">
-            <a:extLst>
-              <a:ext uri="{FF2B5EF4-FFF2-40B4-BE49-F238E27FC236}">
-                <a16:creationId xmlns:a16="http://schemas.microsoft.com/office/drawing/2014/main" id="{FAD7B7F1-CAE2-4A2C-8107-2090681CE957}"/>
-              </a:ext>
-            </a:extLst>
-          </p:cNvPr>
-          <p:cNvPicPr>
-            <a:picLocks noChangeAspect="1"/>
-          </p:cNvPicPr>
-          <p:nvPr/>
-        </p:nvPicPr>
-        <p:blipFill>
-          <a:blip r:embed="rId4">
-            <a:extLst>
-              <a:ext uri="{28A0092B-C50C-407E-A947-70E740481C1C}">
-                <a14:useLocalDpi xmlns:a14="http://schemas.microsoft.com/office/drawing/2010/main" val="0"/>
-              </a:ext>
-            </a:extLst>
-          </a:blip>
-          <a:stretch>
-            <a:fillRect/>
-          </a:stretch>
-        </p:blipFill>
-        <p:spPr>
-          <a:xfrm>
-            <a:off x="-93712" y="251554"/>
-            <a:ext cx="1787669" cy="1787669"/>
-          </a:xfrm>
-          <a:prstGeom prst="rect">
-            <a:avLst/>
-          </a:prstGeom>
-        </p:spPr>
-      </p:pic>
-      <p:pic>
-        <p:nvPicPr>
-          <p:cNvPr id="15" name="Afbeelding 14">
-            <a:extLst>
-              <a:ext uri="{FF2B5EF4-FFF2-40B4-BE49-F238E27FC236}">
-                <a16:creationId xmlns:a16="http://schemas.microsoft.com/office/drawing/2014/main" id="{5DDF50A9-EFC2-40A7-A98C-815CA944B6E0}"/>
-              </a:ext>
-            </a:extLst>
-          </p:cNvPr>
-          <p:cNvPicPr>
-            <a:picLocks noChangeAspect="1"/>
-          </p:cNvPicPr>
-          <p:nvPr/>
-        </p:nvPicPr>
-        <p:blipFill>
-          <a:blip r:embed="rId4">
-            <a:extLst>
-              <a:ext uri="{28A0092B-C50C-407E-A947-70E740481C1C}">
-                <a14:useLocalDpi xmlns:a14="http://schemas.microsoft.com/office/drawing/2010/main" val="0"/>
-              </a:ext>
-            </a:extLst>
-          </a:blip>
-          <a:stretch>
-            <a:fillRect/>
-          </a:stretch>
-        </p:blipFill>
-        <p:spPr>
-          <a:xfrm>
-            <a:off x="4278385" y="253942"/>
-            <a:ext cx="1787669" cy="1787669"/>
-          </a:xfrm>
-          <a:prstGeom prst="rect">
-            <a:avLst/>
-          </a:prstGeom>
-        </p:spPr>
-      </p:pic>
-    </p:spTree>
-    <p:extLst>
-      <p:ext uri="{BB962C8B-B14F-4D97-AF65-F5344CB8AC3E}">
-        <p14:creationId xmlns:p14="http://schemas.microsoft.com/office/powerpoint/2010/main" val="887504382"/>
-      </p:ext>
-    </p:extLst>
-  </p:cSld>
-  <p:clrMapOvr>
-    <a:masterClrMapping/>
-  </p:clrMapOvr>
-</p:sld>
-</file>
-
-<file path=ppt/slides/slide2.xml><?xml version="1.0" encoding="utf-8"?>
 <p:sld xmlns:a="http://schemas.openxmlformats.org/drawingml/2006/main" xmlns:r="http://schemas.openxmlformats.org/officeDocument/2006/relationships" xmlns:p="http://schemas.openxmlformats.org/presentationml/2006/main">
   <p:cSld>
     <p:spTree>
@@ -4866,7 +4475,7 @@
 </p:sld>
 </file>
 
-<file path=ppt/slides/slide3.xml><?xml version="1.0" encoding="utf-8"?>
+<file path=ppt/slides/slide2.xml><?xml version="1.0" encoding="utf-8"?>
 <p:sld xmlns:a="http://schemas.openxmlformats.org/drawingml/2006/main" xmlns:r="http://schemas.openxmlformats.org/officeDocument/2006/relationships" xmlns:p="http://schemas.openxmlformats.org/presentationml/2006/main">
   <p:cSld>
     <p:spTree>
@@ -4937,7 +4546,7 @@
           <a:bodyPr/>
           <a:lstStyle/>
           <a:p>
-            <a:endParaRPr lang="nl-BE"/>
+            <a:endParaRPr lang="nl-BE" dirty="0"/>
           </a:p>
         </p:txBody>
       </p:sp>
@@ -4973,6 +4582,36 @@
       </p:pic>
       <p:pic>
         <p:nvPicPr>
+          <p:cNvPr id="4" name="Afbeelding 3">
+            <a:extLst>
+              <a:ext uri="{FF2B5EF4-FFF2-40B4-BE49-F238E27FC236}">
+                <a16:creationId xmlns:a16="http://schemas.microsoft.com/office/drawing/2014/main" id="{83A0115F-2D51-4DEF-A2D9-709C91493603}"/>
+              </a:ext>
+            </a:extLst>
+          </p:cNvPr>
+          <p:cNvPicPr>
+            <a:picLocks noChangeAspect="1"/>
+          </p:cNvPicPr>
+          <p:nvPr/>
+        </p:nvPicPr>
+        <p:blipFill>
+          <a:blip r:embed="rId3"/>
+          <a:stretch>
+            <a:fillRect/>
+          </a:stretch>
+        </p:blipFill>
+        <p:spPr>
+          <a:xfrm>
+            <a:off x="0" y="1825625"/>
+            <a:ext cx="12192000" cy="4146078"/>
+          </a:xfrm>
+          <a:prstGeom prst="rect">
+            <a:avLst/>
+          </a:prstGeom>
+        </p:spPr>
+      </p:pic>
+      <p:pic>
+        <p:nvPicPr>
           <p:cNvPr id="7" name="Afbeelding 6">
             <a:extLst>
               <a:ext uri="{FF2B5EF4-FFF2-40B4-BE49-F238E27FC236}">
@@ -4986,7 +4625,7 @@
           <p:nvPr/>
         </p:nvPicPr>
         <p:blipFill rotWithShape="1">
-          <a:blip r:embed="rId3">
+          <a:blip r:embed="rId4">
             <a:alphaModFix/>
             <a:extLst>
               <a:ext uri="{28A0092B-C50C-407E-A947-70E740481C1C}">
@@ -5026,6 +4665,191 @@
 </p:sld>
 </file>
 
+<file path=ppt/slides/slide3.xml><?xml version="1.0" encoding="utf-8"?>
+<p:sld xmlns:a="http://schemas.openxmlformats.org/drawingml/2006/main" xmlns:r="http://schemas.openxmlformats.org/officeDocument/2006/relationships" xmlns:p="http://schemas.openxmlformats.org/presentationml/2006/main">
+  <p:cSld>
+    <p:spTree>
+      <p:nvGrpSpPr>
+        <p:cNvPr id="1" name=""/>
+        <p:cNvGrpSpPr/>
+        <p:nvPr/>
+      </p:nvGrpSpPr>
+      <p:grpSpPr>
+        <a:xfrm>
+          <a:off x="0" y="0"/>
+          <a:ext cx="0" cy="0"/>
+          <a:chOff x="0" y="0"/>
+          <a:chExt cx="0" cy="0"/>
+        </a:xfrm>
+      </p:grpSpPr>
+      <p:sp>
+        <p:nvSpPr>
+          <p:cNvPr id="2" name="Titel 1">
+            <a:extLst>
+              <a:ext uri="{FF2B5EF4-FFF2-40B4-BE49-F238E27FC236}">
+                <a16:creationId xmlns:a16="http://schemas.microsoft.com/office/drawing/2014/main" id="{04DF4908-DB1A-4C20-9B70-E2B6704F0EB0}"/>
+              </a:ext>
+            </a:extLst>
+          </p:cNvPr>
+          <p:cNvSpPr>
+            <a:spLocks noGrp="1"/>
+          </p:cNvSpPr>
+          <p:nvPr>
+            <p:ph type="title"/>
+          </p:nvPr>
+        </p:nvSpPr>
+        <p:spPr/>
+        <p:txBody>
+          <a:bodyPr/>
+          <a:lstStyle/>
+          <a:p>
+            <a:r>
+              <a:rPr lang="nl-BE" dirty="0"/>
+              <a:t>Sprint 2</a:t>
+            </a:r>
+          </a:p>
+        </p:txBody>
+      </p:sp>
+      <p:sp>
+        <p:nvSpPr>
+          <p:cNvPr id="3" name="Tijdelijke aanduiding voor inhoud 2">
+            <a:extLst>
+              <a:ext uri="{FF2B5EF4-FFF2-40B4-BE49-F238E27FC236}">
+                <a16:creationId xmlns:a16="http://schemas.microsoft.com/office/drawing/2014/main" id="{FBCDCFB9-5998-4278-A12B-DFC4DD1E3A99}"/>
+              </a:ext>
+            </a:extLst>
+          </p:cNvPr>
+          <p:cNvSpPr>
+            <a:spLocks noGrp="1"/>
+          </p:cNvSpPr>
+          <p:nvPr>
+            <p:ph idx="1"/>
+          </p:nvPr>
+        </p:nvSpPr>
+        <p:spPr/>
+        <p:txBody>
+          <a:bodyPr>
+            <a:normAutofit lnSpcReduction="10000"/>
+          </a:bodyPr>
+          <a:lstStyle/>
+          <a:p>
+            <a:r>
+              <a:rPr lang="nl-NL" dirty="0">
+                <a:solidFill>
+                  <a:srgbClr val="00B050"/>
+                </a:solidFill>
+              </a:rPr>
+              <a:t>(</a:t>
+            </a:r>
+            <a:r>
+              <a:rPr lang="nl-NL" dirty="0" err="1">
+                <a:solidFill>
+                  <a:srgbClr val="00B050"/>
+                </a:solidFill>
+              </a:rPr>
+              <a:t>Task</a:t>
+            </a:r>
+            <a:r>
+              <a:rPr lang="nl-NL" dirty="0">
+                <a:solidFill>
+                  <a:srgbClr val="00B050"/>
+                </a:solidFill>
+              </a:rPr>
+              <a:t>) Als speler zou ik graag een scherm hebben waar ik mijn gegevens kan invullen</a:t>
+            </a:r>
+          </a:p>
+          <a:p>
+            <a:r>
+              <a:rPr lang="nl-NL" dirty="0">
+                <a:solidFill>
+                  <a:srgbClr val="00B050"/>
+                </a:solidFill>
+              </a:rPr>
+              <a:t>(5sp) Als speler zou ik graag kunnen deelnemen aan een sessie</a:t>
+            </a:r>
+          </a:p>
+          <a:p>
+            <a:r>
+              <a:rPr lang="nl-NL" dirty="0">
+                <a:solidFill>
+                  <a:srgbClr val="00B050"/>
+                </a:solidFill>
+              </a:rPr>
+              <a:t>(5sp) Als speler wil ik aan het einde een ranglijst kunnen zien, vergeleken met andere spelers</a:t>
+            </a:r>
+          </a:p>
+          <a:p>
+            <a:r>
+              <a:rPr lang="nl-NL" dirty="0">
+                <a:solidFill>
+                  <a:srgbClr val="00B050"/>
+                </a:solidFill>
+              </a:rPr>
+              <a:t>(21sp) Als speler zou ik graag op de locatie "grote markt" het spel "hand naar brabo" spelen</a:t>
+            </a:r>
+          </a:p>
+          <a:p>
+            <a:r>
+              <a:rPr lang="nl-NL" dirty="0">
+                <a:solidFill>
+                  <a:srgbClr val="00B050"/>
+                </a:solidFill>
+              </a:rPr>
+              <a:t>(5sp) Als speler zou ik graag een pijl willen zien die aanwijst welke richting ik moet uitgaan voor de volgende opdracht.</a:t>
+            </a:r>
+          </a:p>
+          <a:p>
+            <a:r>
+              <a:rPr lang="nl-NL" dirty="0">
+                <a:solidFill>
+                  <a:srgbClr val="FFC000"/>
+                </a:solidFill>
+              </a:rPr>
+              <a:t>(</a:t>
+            </a:r>
+            <a:r>
+              <a:rPr lang="nl-NL" dirty="0" err="1">
+                <a:solidFill>
+                  <a:srgbClr val="FFC000"/>
+                </a:solidFill>
+              </a:rPr>
+              <a:t>Task</a:t>
+            </a:r>
+            <a:r>
+              <a:rPr lang="nl-NL" dirty="0">
+                <a:solidFill>
+                  <a:srgbClr val="FFC000"/>
+                </a:solidFill>
+              </a:rPr>
+              <a:t>) Opstart van de Backend Server</a:t>
+            </a:r>
+            <a:br>
+              <a:rPr lang="nl-NL" dirty="0">
+                <a:solidFill>
+                  <a:srgbClr val="FFC000"/>
+                </a:solidFill>
+              </a:rPr>
+            </a:br>
+            <a:br>
+              <a:rPr lang="nl-NL" dirty="0"/>
+            </a:br>
+            <a:endParaRPr lang="nl-BE" dirty="0"/>
+          </a:p>
+        </p:txBody>
+      </p:sp>
+    </p:spTree>
+    <p:extLst>
+      <p:ext uri="{BB962C8B-B14F-4D97-AF65-F5344CB8AC3E}">
+        <p14:creationId xmlns:p14="http://schemas.microsoft.com/office/powerpoint/2010/main" val="2088847152"/>
+      </p:ext>
+    </p:extLst>
+  </p:cSld>
+  <p:clrMapOvr>
+    <a:masterClrMapping/>
+  </p:clrMapOvr>
+</p:sld>
+</file>
+
 <file path=ppt/slides/slide4.xml><?xml version="1.0" encoding="utf-8"?>
 <p:sld xmlns:a="http://schemas.openxmlformats.org/drawingml/2006/main" xmlns:r="http://schemas.openxmlformats.org/officeDocument/2006/relationships" xmlns:p="http://schemas.openxmlformats.org/presentationml/2006/main">
   <p:cSld>
@@ -5048,7 +4872,7 @@
           <p:cNvPr id="2" name="Titel 1">
             <a:extLst>
               <a:ext uri="{FF2B5EF4-FFF2-40B4-BE49-F238E27FC236}">
-                <a16:creationId xmlns:a16="http://schemas.microsoft.com/office/drawing/2014/main" id="{04DF4908-DB1A-4C20-9B70-E2B6704F0EB0}"/>
+                <a16:creationId xmlns:a16="http://schemas.microsoft.com/office/drawing/2014/main" id="{B07EB0E0-9B59-4B46-99EC-AD407630DF23}"/>
               </a:ext>
             </a:extLst>
           </p:cNvPr>
@@ -5066,142 +4890,52 @@
           <a:p>
             <a:r>
               <a:rPr lang="nl-BE" dirty="0"/>
-              <a:t>Sprint 2</a:t>
-            </a:r>
-          </a:p>
-        </p:txBody>
-      </p:sp>
-      <p:sp>
-        <p:nvSpPr>
-          <p:cNvPr id="3" name="Tijdelijke aanduiding voor inhoud 2">
+              <a:t>Team </a:t>
+            </a:r>
+            <a:r>
+              <a:rPr lang="nl-BE" dirty="0" err="1"/>
+              <a:t>Velocity</a:t>
+            </a:r>
+            <a:endParaRPr lang="nl-BE" dirty="0"/>
+          </a:p>
+        </p:txBody>
+      </p:sp>
+      <p:pic>
+        <p:nvPicPr>
+          <p:cNvPr id="4" name="Tijdelijke aanduiding voor inhoud 3">
             <a:extLst>
               <a:ext uri="{FF2B5EF4-FFF2-40B4-BE49-F238E27FC236}">
-                <a16:creationId xmlns:a16="http://schemas.microsoft.com/office/drawing/2014/main" id="{FBCDCFB9-5998-4278-A12B-DFC4DD1E3A99}"/>
+                <a16:creationId xmlns:a16="http://schemas.microsoft.com/office/drawing/2014/main" id="{A1994218-E645-425E-867B-5D871791172D}"/>
               </a:ext>
             </a:extLst>
           </p:cNvPr>
-          <p:cNvSpPr>
-            <a:spLocks noGrp="1"/>
-          </p:cNvSpPr>
+          <p:cNvPicPr>
+            <a:picLocks noGrp="1" noChangeAspect="1"/>
+          </p:cNvPicPr>
           <p:nvPr>
             <p:ph idx="1"/>
           </p:nvPr>
-        </p:nvSpPr>
-        <p:spPr/>
-        <p:txBody>
-          <a:bodyPr>
-            <a:normAutofit lnSpcReduction="10000"/>
-          </a:bodyPr>
-          <a:lstStyle/>
-          <a:p>
-            <a:r>
-              <a:rPr lang="nl-NL" dirty="0">
-                <a:solidFill>
-                  <a:srgbClr val="00B050"/>
-                </a:solidFill>
-              </a:rPr>
-              <a:t>(</a:t>
-            </a:r>
-            <a:r>
-              <a:rPr lang="nl-NL" dirty="0" err="1">
-                <a:solidFill>
-                  <a:srgbClr val="00B050"/>
-                </a:solidFill>
-              </a:rPr>
-              <a:t>Task</a:t>
-            </a:r>
-            <a:r>
-              <a:rPr lang="nl-NL" dirty="0">
-                <a:solidFill>
-                  <a:srgbClr val="00B050"/>
-                </a:solidFill>
-              </a:rPr>
-              <a:t>) Als speler zou ik graag een scherm hebben waar ik mijn gegevens kan invullen</a:t>
-            </a:r>
-          </a:p>
-          <a:p>
-            <a:r>
-              <a:rPr lang="nl-NL" dirty="0">
-                <a:solidFill>
-                  <a:srgbClr val="00B050"/>
-                </a:solidFill>
-              </a:rPr>
-              <a:t>(5sp) Als speler zou ik graag kunnen deelnemen aan een sessie</a:t>
-            </a:r>
-          </a:p>
-          <a:p>
-            <a:r>
-              <a:rPr lang="nl-NL" dirty="0">
-                <a:solidFill>
-                  <a:srgbClr val="00B050"/>
-                </a:solidFill>
-              </a:rPr>
-              <a:t>(5sp) Als speler wil ik aan het einde een ranglijst kunnen zien, vergeleken met andere spelers</a:t>
-            </a:r>
-          </a:p>
-          <a:p>
-            <a:r>
-              <a:rPr lang="nl-NL" dirty="0">
-                <a:solidFill>
-                  <a:srgbClr val="FFC000"/>
-                </a:solidFill>
-              </a:rPr>
-              <a:t>(21sp) Als speler zou ik graag op de locatie "grote markt" het spel "hand naar brabo" spelen</a:t>
-            </a:r>
-          </a:p>
-          <a:p>
-            <a:r>
-              <a:rPr lang="nl-NL" dirty="0">
-                <a:solidFill>
-                  <a:srgbClr val="FFC000"/>
-                </a:solidFill>
-              </a:rPr>
-              <a:t>(5sp) Als speler zou ik graag een pijl willen zien die aanwijst welke richting ik moet uitgaan voor de volgende opdracht.</a:t>
-            </a:r>
-          </a:p>
-          <a:p>
-            <a:r>
-              <a:rPr lang="nl-NL" dirty="0">
-                <a:solidFill>
-                  <a:srgbClr val="FFC000"/>
-                </a:solidFill>
-              </a:rPr>
-              <a:t>(</a:t>
-            </a:r>
-            <a:r>
-              <a:rPr lang="nl-NL" dirty="0" err="1">
-                <a:solidFill>
-                  <a:srgbClr val="FFC000"/>
-                </a:solidFill>
-              </a:rPr>
-              <a:t>Task</a:t>
-            </a:r>
-            <a:r>
-              <a:rPr lang="nl-NL" dirty="0">
-                <a:solidFill>
-                  <a:srgbClr val="FFC000"/>
-                </a:solidFill>
-              </a:rPr>
-              <a:t>) Opstart van de Backend Server</a:t>
-            </a:r>
-            <a:br>
-              <a:rPr lang="nl-NL" dirty="0">
-                <a:solidFill>
-                  <a:srgbClr val="FFC000"/>
-                </a:solidFill>
-              </a:rPr>
-            </a:br>
-            <a:br>
-              <a:rPr lang="nl-NL" dirty="0"/>
-            </a:br>
-            <a:endParaRPr lang="nl-BE" dirty="0"/>
-          </a:p>
-        </p:txBody>
-      </p:sp>
+        </p:nvPicPr>
+        <p:blipFill>
+          <a:blip r:embed="rId2"/>
+          <a:stretch>
+            <a:fillRect/>
+          </a:stretch>
+        </p:blipFill>
+        <p:spPr>
+          <a:xfrm>
+            <a:off x="1069975" y="2275091"/>
+            <a:ext cx="10058400" cy="3742917"/>
+          </a:xfrm>
+          <a:prstGeom prst="rect">
+            <a:avLst/>
+          </a:prstGeom>
+        </p:spPr>
+      </p:pic>
     </p:spTree>
     <p:extLst>
       <p:ext uri="{BB962C8B-B14F-4D97-AF65-F5344CB8AC3E}">
-        <p14:creationId xmlns:p14="http://schemas.microsoft.com/office/powerpoint/2010/main" val="2088847152"/>
+        <p14:creationId xmlns:p14="http://schemas.microsoft.com/office/powerpoint/2010/main" val="472878160"/>
       </p:ext>
     </p:extLst>
   </p:cSld>
@@ -5233,7 +4967,7 @@
           <p:cNvPr id="2" name="Titel 1">
             <a:extLst>
               <a:ext uri="{FF2B5EF4-FFF2-40B4-BE49-F238E27FC236}">
-                <a16:creationId xmlns:a16="http://schemas.microsoft.com/office/drawing/2014/main" id="{B07EB0E0-9B59-4B46-99EC-AD407630DF23}"/>
+                <a16:creationId xmlns:a16="http://schemas.microsoft.com/office/drawing/2014/main" id="{B6F61D92-A97D-40C7-8C41-F3B3167AD7E2}"/>
               </a:ext>
             </a:extLst>
           </p:cNvPr>
@@ -5251,45 +4985,77 @@
           <a:p>
             <a:r>
               <a:rPr lang="nl-BE" dirty="0"/>
-              <a:t>Team </a:t>
-            </a:r>
-            <a:r>
-              <a:rPr lang="nl-BE" dirty="0" err="1"/>
-              <a:t>Velocity</a:t>
-            </a:r>
-            <a:endParaRPr lang="nl-BE" dirty="0"/>
-          </a:p>
-        </p:txBody>
-      </p:sp>
-      <p:sp>
-        <p:nvSpPr>
-          <p:cNvPr id="3" name="Tijdelijke aanduiding voor inhoud 2">
+              <a:t>Werkverdeling</a:t>
+            </a:r>
+          </a:p>
+        </p:txBody>
+      </p:sp>
+      <p:pic>
+        <p:nvPicPr>
+          <p:cNvPr id="4" name="Tijdelijke aanduiding voor inhoud 3">
             <a:extLst>
               <a:ext uri="{FF2B5EF4-FFF2-40B4-BE49-F238E27FC236}">
-                <a16:creationId xmlns:a16="http://schemas.microsoft.com/office/drawing/2014/main" id="{45E624A3-3992-4CDD-BC45-41EC47D8C1A4}"/>
+                <a16:creationId xmlns:a16="http://schemas.microsoft.com/office/drawing/2014/main" id="{3365A626-4273-4B22-84E9-476629A1AE87}"/>
               </a:ext>
             </a:extLst>
           </p:cNvPr>
-          <p:cNvSpPr>
-            <a:spLocks noGrp="1"/>
-          </p:cNvSpPr>
+          <p:cNvPicPr>
+            <a:picLocks noGrp="1" noChangeAspect="1"/>
+          </p:cNvPicPr>
           <p:nvPr>
             <p:ph idx="1"/>
           </p:nvPr>
-        </p:nvSpPr>
-        <p:spPr/>
-        <p:txBody>
-          <a:bodyPr/>
-          <a:lstStyle/>
-          <a:p>
-            <a:endParaRPr lang="nl-BE"/>
-          </a:p>
-        </p:txBody>
-      </p:sp>
+        </p:nvPicPr>
+        <p:blipFill>
+          <a:blip r:embed="rId2"/>
+          <a:stretch>
+            <a:fillRect/>
+          </a:stretch>
+        </p:blipFill>
+        <p:spPr>
+          <a:xfrm>
+            <a:off x="667381" y="2093976"/>
+            <a:ext cx="6148973" cy="4051300"/>
+          </a:xfrm>
+          <a:prstGeom prst="rect">
+            <a:avLst/>
+          </a:prstGeom>
+        </p:spPr>
+      </p:pic>
+      <p:pic>
+        <p:nvPicPr>
+          <p:cNvPr id="5" name="Afbeelding 4">
+            <a:extLst>
+              <a:ext uri="{FF2B5EF4-FFF2-40B4-BE49-F238E27FC236}">
+                <a16:creationId xmlns:a16="http://schemas.microsoft.com/office/drawing/2014/main" id="{4DA4B3BF-3B47-48DE-866B-32EB70384C2B}"/>
+              </a:ext>
+            </a:extLst>
+          </p:cNvPr>
+          <p:cNvPicPr>
+            <a:picLocks noChangeAspect="1"/>
+          </p:cNvPicPr>
+          <p:nvPr/>
+        </p:nvPicPr>
+        <p:blipFill>
+          <a:blip r:embed="rId3"/>
+          <a:stretch>
+            <a:fillRect/>
+          </a:stretch>
+        </p:blipFill>
+        <p:spPr>
+          <a:xfrm>
+            <a:off x="8014905" y="3062203"/>
+            <a:ext cx="1914792" cy="2114845"/>
+          </a:xfrm>
+          <a:prstGeom prst="rect">
+            <a:avLst/>
+          </a:prstGeom>
+        </p:spPr>
+      </p:pic>
     </p:spTree>
     <p:extLst>
       <p:ext uri="{BB962C8B-B14F-4D97-AF65-F5344CB8AC3E}">
-        <p14:creationId xmlns:p14="http://schemas.microsoft.com/office/powerpoint/2010/main" val="472878160"/>
+        <p14:creationId xmlns:p14="http://schemas.microsoft.com/office/powerpoint/2010/main" val="1199726334"/>
       </p:ext>
     </p:extLst>
   </p:cSld>
@@ -5300,6 +5066,107 @@
 </file>
 
 <file path=ppt/slides/slide6.xml><?xml version="1.0" encoding="utf-8"?>
+<p:sld xmlns:a="http://schemas.openxmlformats.org/drawingml/2006/main" xmlns:r="http://schemas.openxmlformats.org/officeDocument/2006/relationships" xmlns:p="http://schemas.openxmlformats.org/presentationml/2006/main">
+  <p:cSld>
+    <p:spTree>
+      <p:nvGrpSpPr>
+        <p:cNvPr id="1" name=""/>
+        <p:cNvGrpSpPr/>
+        <p:nvPr/>
+      </p:nvGrpSpPr>
+      <p:grpSpPr>
+        <a:xfrm>
+          <a:off x="0" y="0"/>
+          <a:ext cx="0" cy="0"/>
+          <a:chOff x="0" y="0"/>
+          <a:chExt cx="0" cy="0"/>
+        </a:xfrm>
+      </p:grpSpPr>
+      <p:sp>
+        <p:nvSpPr>
+          <p:cNvPr id="2" name="Titel 1">
+            <a:extLst>
+              <a:ext uri="{FF2B5EF4-FFF2-40B4-BE49-F238E27FC236}">
+                <a16:creationId xmlns:a16="http://schemas.microsoft.com/office/drawing/2014/main" id="{D431DDF7-7C1F-44F9-AB2C-51487B5726DD}"/>
+              </a:ext>
+            </a:extLst>
+          </p:cNvPr>
+          <p:cNvSpPr>
+            <a:spLocks noGrp="1"/>
+          </p:cNvSpPr>
+          <p:nvPr>
+            <p:ph type="title"/>
+          </p:nvPr>
+        </p:nvSpPr>
+        <p:spPr/>
+        <p:txBody>
+          <a:bodyPr/>
+          <a:lstStyle/>
+          <a:p>
+            <a:r>
+              <a:rPr lang="nl-BE" dirty="0"/>
+              <a:t>Sprint 2: struikelblokken</a:t>
+            </a:r>
+          </a:p>
+        </p:txBody>
+      </p:sp>
+      <p:sp>
+        <p:nvSpPr>
+          <p:cNvPr id="3" name="Tijdelijke aanduiding voor inhoud 2">
+            <a:extLst>
+              <a:ext uri="{FF2B5EF4-FFF2-40B4-BE49-F238E27FC236}">
+                <a16:creationId xmlns:a16="http://schemas.microsoft.com/office/drawing/2014/main" id="{59C5BCF8-C8FB-4F73-A638-AB1EC90D290C}"/>
+              </a:ext>
+            </a:extLst>
+          </p:cNvPr>
+          <p:cNvSpPr>
+            <a:spLocks noGrp="1"/>
+          </p:cNvSpPr>
+          <p:nvPr>
+            <p:ph idx="1"/>
+          </p:nvPr>
+        </p:nvSpPr>
+        <p:spPr/>
+        <p:txBody>
+          <a:bodyPr/>
+          <a:lstStyle/>
+          <a:p>
+            <a:r>
+              <a:rPr lang="nl-BE" dirty="0"/>
+              <a:t>Deployment Dot net </a:t>
+            </a:r>
+            <a:r>
+              <a:rPr lang="nl-BE" dirty="0" err="1"/>
+              <a:t>core</a:t>
+            </a:r>
+            <a:r>
+              <a:rPr lang="nl-BE" dirty="0"/>
+              <a:t> server (IIS)</a:t>
+            </a:r>
+          </a:p>
+          <a:p>
+            <a:r>
+              <a:rPr lang="nl-BE" dirty="0" err="1"/>
+              <a:t>Compas</a:t>
+            </a:r>
+            <a:endParaRPr lang="nl-BE" dirty="0"/>
+          </a:p>
+        </p:txBody>
+      </p:sp>
+    </p:spTree>
+    <p:extLst>
+      <p:ext uri="{BB962C8B-B14F-4D97-AF65-F5344CB8AC3E}">
+        <p14:creationId xmlns:p14="http://schemas.microsoft.com/office/powerpoint/2010/main" val="1499910878"/>
+      </p:ext>
+    </p:extLst>
+  </p:cSld>
+  <p:clrMapOvr>
+    <a:masterClrMapping/>
+  </p:clrMapOvr>
+</p:sld>
+</file>
+
+<file path=ppt/slides/slide7.xml><?xml version="1.0" encoding="utf-8"?>
 <p:sld xmlns:a="http://schemas.openxmlformats.org/drawingml/2006/main" xmlns:r="http://schemas.openxmlformats.org/officeDocument/2006/relationships" xmlns:p="http://schemas.openxmlformats.org/presentationml/2006/main">
   <p:cSld>
     <p:spTree>
@@ -5538,89 +5405,6 @@
 </p:sld>
 </file>
 
-<file path=ppt/slides/slide7.xml><?xml version="1.0" encoding="utf-8"?>
-<p:sld xmlns:a="http://schemas.openxmlformats.org/drawingml/2006/main" xmlns:r="http://schemas.openxmlformats.org/officeDocument/2006/relationships" xmlns:p="http://schemas.openxmlformats.org/presentationml/2006/main">
-  <p:cSld>
-    <p:spTree>
-      <p:nvGrpSpPr>
-        <p:cNvPr id="1" name=""/>
-        <p:cNvGrpSpPr/>
-        <p:nvPr/>
-      </p:nvGrpSpPr>
-      <p:grpSpPr>
-        <a:xfrm>
-          <a:off x="0" y="0"/>
-          <a:ext cx="0" cy="0"/>
-          <a:chOff x="0" y="0"/>
-          <a:chExt cx="0" cy="0"/>
-        </a:xfrm>
-      </p:grpSpPr>
-      <p:sp>
-        <p:nvSpPr>
-          <p:cNvPr id="2" name="Titel 1">
-            <a:extLst>
-              <a:ext uri="{FF2B5EF4-FFF2-40B4-BE49-F238E27FC236}">
-                <a16:creationId xmlns:a16="http://schemas.microsoft.com/office/drawing/2014/main" id="{D431DDF7-7C1F-44F9-AB2C-51487B5726DD}"/>
-              </a:ext>
-            </a:extLst>
-          </p:cNvPr>
-          <p:cNvSpPr>
-            <a:spLocks noGrp="1"/>
-          </p:cNvSpPr>
-          <p:nvPr>
-            <p:ph type="title"/>
-          </p:nvPr>
-        </p:nvSpPr>
-        <p:spPr/>
-        <p:txBody>
-          <a:bodyPr/>
-          <a:lstStyle/>
-          <a:p>
-            <a:r>
-              <a:rPr lang="nl-BE" dirty="0"/>
-              <a:t>Sprint 2: struikelblokken</a:t>
-            </a:r>
-          </a:p>
-        </p:txBody>
-      </p:sp>
-      <p:sp>
-        <p:nvSpPr>
-          <p:cNvPr id="3" name="Tijdelijke aanduiding voor inhoud 2">
-            <a:extLst>
-              <a:ext uri="{FF2B5EF4-FFF2-40B4-BE49-F238E27FC236}">
-                <a16:creationId xmlns:a16="http://schemas.microsoft.com/office/drawing/2014/main" id="{59C5BCF8-C8FB-4F73-A638-AB1EC90D290C}"/>
-              </a:ext>
-            </a:extLst>
-          </p:cNvPr>
-          <p:cNvSpPr>
-            <a:spLocks noGrp="1"/>
-          </p:cNvSpPr>
-          <p:nvPr>
-            <p:ph idx="1"/>
-          </p:nvPr>
-        </p:nvSpPr>
-        <p:spPr/>
-        <p:txBody>
-          <a:bodyPr/>
-          <a:lstStyle/>
-          <a:p>
-            <a:endParaRPr lang="nl-BE" dirty="0"/>
-          </a:p>
-        </p:txBody>
-      </p:sp>
-    </p:spTree>
-    <p:extLst>
-      <p:ext uri="{BB962C8B-B14F-4D97-AF65-F5344CB8AC3E}">
-        <p14:creationId xmlns:p14="http://schemas.microsoft.com/office/powerpoint/2010/main" val="1499910878"/>
-      </p:ext>
-    </p:extLst>
-  </p:cSld>
-  <p:clrMapOvr>
-    <a:masterClrMapping/>
-  </p:clrMapOvr>
-</p:sld>
-</file>
-
 <file path=ppt/slides/slide8.xml><?xml version="1.0" encoding="utf-8"?>
 <p:sld xmlns:a="http://schemas.openxmlformats.org/drawingml/2006/main" xmlns:r="http://schemas.openxmlformats.org/officeDocument/2006/relationships" xmlns:p="http://schemas.openxmlformats.org/presentationml/2006/main">
   <p:cSld>
@@ -5666,31 +5450,38 @@
           </a:p>
         </p:txBody>
       </p:sp>
-      <p:sp>
-        <p:nvSpPr>
-          <p:cNvPr id="3" name="Tijdelijke aanduiding voor inhoud 2">
+      <p:pic>
+        <p:nvPicPr>
+          <p:cNvPr id="5" name="Tijdelijke aanduiding voor inhoud 4">
             <a:extLst>
               <a:ext uri="{FF2B5EF4-FFF2-40B4-BE49-F238E27FC236}">
-                <a16:creationId xmlns:a16="http://schemas.microsoft.com/office/drawing/2014/main" id="{7FDCBD32-DDA0-4D01-BB12-51F7A5F1E998}"/>
+                <a16:creationId xmlns:a16="http://schemas.microsoft.com/office/drawing/2014/main" id="{A24622D9-563F-4E0E-B20E-144BBE02DC2B}"/>
               </a:ext>
             </a:extLst>
           </p:cNvPr>
-          <p:cNvSpPr>
-            <a:spLocks noGrp="1"/>
-          </p:cNvSpPr>
+          <p:cNvPicPr>
+            <a:picLocks noGrp="1" noChangeAspect="1"/>
+          </p:cNvPicPr>
           <p:nvPr>
             <p:ph idx="1"/>
           </p:nvPr>
-        </p:nvSpPr>
-        <p:spPr/>
-        <p:txBody>
-          <a:bodyPr/>
-          <a:lstStyle/>
-          <a:p>
-            <a:endParaRPr lang="nl-BE"/>
-          </a:p>
-        </p:txBody>
-      </p:sp>
+        </p:nvPicPr>
+        <p:blipFill>
+          <a:blip r:embed="rId2"/>
+          <a:stretch>
+            <a:fillRect/>
+          </a:stretch>
+        </p:blipFill>
+        <p:spPr>
+          <a:xfrm>
+            <a:off x="4538444" y="86616"/>
+            <a:ext cx="6115574" cy="6763453"/>
+          </a:xfrm>
+          <a:prstGeom prst="rect">
+            <a:avLst/>
+          </a:prstGeom>
+        </p:spPr>
+      </p:pic>
       <p:pic>
         <p:nvPicPr>
           <p:cNvPr id="4" name="Afbeelding 3">
@@ -5706,7 +5497,7 @@
           <p:nvPr/>
         </p:nvPicPr>
         <p:blipFill rotWithShape="1">
-          <a:blip r:embed="rId2">
+          <a:blip r:embed="rId3">
             <a:alphaModFix/>
             <a:extLst>
               <a:ext uri="{28A0092B-C50C-407E-A947-70E740481C1C}">

--- a/doc/Presentatie/SprintReview2.pptx
+++ b/doc/Presentatie/SprintReview2.pptx
@@ -13,6 +13,7 @@
     <p:sldId id="264" r:id="rId7"/>
     <p:sldId id="258" r:id="rId8"/>
     <p:sldId id="259" r:id="rId9"/>
+    <p:sldId id="266" r:id="rId10"/>
   </p:sldIdLst>
   <p:sldSz cx="12192000" cy="6858000"/>
   <p:notesSz cx="6858000" cy="9144000"/>
@@ -5566,6 +5567,89 @@
 </p:sld>
 </file>
 
+<file path=ppt/slides/slide9.xml><?xml version="1.0" encoding="utf-8"?>
+<p:sld xmlns:a="http://schemas.openxmlformats.org/drawingml/2006/main" xmlns:r="http://schemas.openxmlformats.org/officeDocument/2006/relationships" xmlns:p="http://schemas.openxmlformats.org/presentationml/2006/main">
+  <p:cSld>
+    <p:spTree>
+      <p:nvGrpSpPr>
+        <p:cNvPr id="1" name=""/>
+        <p:cNvGrpSpPr/>
+        <p:nvPr/>
+      </p:nvGrpSpPr>
+      <p:grpSpPr>
+        <a:xfrm>
+          <a:off x="0" y="0"/>
+          <a:ext cx="0" cy="0"/>
+          <a:chOff x="0" y="0"/>
+          <a:chExt cx="0" cy="0"/>
+        </a:xfrm>
+      </p:grpSpPr>
+      <p:sp>
+        <p:nvSpPr>
+          <p:cNvPr id="2" name="Titel 1">
+            <a:extLst>
+              <a:ext uri="{FF2B5EF4-FFF2-40B4-BE49-F238E27FC236}">
+                <a16:creationId xmlns:a16="http://schemas.microsoft.com/office/drawing/2014/main" id="{765D26FB-FA07-494E-8617-CA5E1709C119}"/>
+              </a:ext>
+            </a:extLst>
+          </p:cNvPr>
+          <p:cNvSpPr>
+            <a:spLocks noGrp="1"/>
+          </p:cNvSpPr>
+          <p:nvPr>
+            <p:ph type="ctrTitle"/>
+          </p:nvPr>
+        </p:nvSpPr>
+        <p:spPr/>
+        <p:txBody>
+          <a:bodyPr/>
+          <a:lstStyle/>
+          <a:p>
+            <a:r>
+              <a:rPr lang="nl-BE"/>
+              <a:t>Retrospective</a:t>
+            </a:r>
+          </a:p>
+        </p:txBody>
+      </p:sp>
+      <p:sp>
+        <p:nvSpPr>
+          <p:cNvPr id="3" name="Ondertitel 2">
+            <a:extLst>
+              <a:ext uri="{FF2B5EF4-FFF2-40B4-BE49-F238E27FC236}">
+                <a16:creationId xmlns:a16="http://schemas.microsoft.com/office/drawing/2014/main" id="{B6897617-A7E0-4174-A5D3-EA3794AE6580}"/>
+              </a:ext>
+            </a:extLst>
+          </p:cNvPr>
+          <p:cNvSpPr>
+            <a:spLocks noGrp="1"/>
+          </p:cNvSpPr>
+          <p:nvPr>
+            <p:ph type="subTitle" idx="1"/>
+          </p:nvPr>
+        </p:nvSpPr>
+        <p:spPr/>
+        <p:txBody>
+          <a:bodyPr/>
+          <a:lstStyle/>
+          <a:p>
+            <a:endParaRPr lang="nl-BE"/>
+          </a:p>
+        </p:txBody>
+      </p:sp>
+    </p:spTree>
+    <p:extLst>
+      <p:ext uri="{BB962C8B-B14F-4D97-AF65-F5344CB8AC3E}">
+        <p14:creationId xmlns:p14="http://schemas.microsoft.com/office/powerpoint/2010/main" val="3737796459"/>
+      </p:ext>
+    </p:extLst>
+  </p:cSld>
+  <p:clrMapOvr>
+    <a:masterClrMapping/>
+  </p:clrMapOvr>
+</p:sld>
+</file>
+
 <file path=ppt/theme/theme1.xml><?xml version="1.0" encoding="utf-8"?>
 <a:theme xmlns:a="http://schemas.openxmlformats.org/drawingml/2006/main" name="Houttype">
   <a:themeElements>
